--- a/Presentaciones/Presentación.pptx
+++ b/Presentaciones/Presentación.pptx
@@ -5,7 +5,7 @@
     <p:sldMasterId id="2147483708" r:id="rId1"/>
   </p:sldMasterIdLst>
   <p:notesMasterIdLst>
-    <p:notesMasterId r:id="rId13"/>
+    <p:notesMasterId r:id="rId15"/>
   </p:notesMasterIdLst>
   <p:sldIdLst>
     <p:sldId id="260" r:id="rId2"/>
@@ -19,6 +19,8 @@
     <p:sldId id="265" r:id="rId10"/>
     <p:sldId id="266" r:id="rId11"/>
     <p:sldId id="267" r:id="rId12"/>
+    <p:sldId id="268" r:id="rId13"/>
+    <p:sldId id="269" r:id="rId14"/>
   </p:sldIdLst>
   <p:sldSz cx="12192000" cy="6858000"/>
   <p:notesSz cx="6858000" cy="9144000"/>
@@ -117,6 +119,11 @@
       </a:defRPr>
     </a:lvl9pPr>
   </p:defaultTextStyle>
+  <p:extLst>
+    <p:ext uri="{EFAFB233-063F-42B5-8137-9DF3F51BA10A}">
+      <p15:sldGuideLst xmlns:p15="http://schemas.microsoft.com/office/powerpoint/2012/main"/>
+    </p:ext>
+  </p:extLst>
 </p:presentation>
 </file>
 
@@ -202,7 +209,7 @@
           <a:p>
             <a:fld id="{28F17CF8-8662-40B1-8293-CA0C3F9254E1}" type="datetimeFigureOut">
               <a:rPr lang="es-ES" smtClean="0"/>
-              <a:t>09/02/2025</a:t>
+              <a:t>10/02/2025</a:t>
             </a:fld>
             <a:endParaRPr lang="es-ES"/>
           </a:p>
@@ -684,7 +691,7 @@
           <a:p>
             <a:fld id="{F40CF56C-5593-4E7F-8F0A-BCAF3BC9834C}" type="datetimeFigureOut">
               <a:rPr lang="es-ES" smtClean="0"/>
-              <a:t>09/02/2025</a:t>
+              <a:t>10/02/2025</a:t>
             </a:fld>
             <a:endParaRPr lang="es-ES"/>
           </a:p>
@@ -854,7 +861,7 @@
           <a:p>
             <a:fld id="{F40CF56C-5593-4E7F-8F0A-BCAF3BC9834C}" type="datetimeFigureOut">
               <a:rPr lang="es-ES" smtClean="0"/>
-              <a:t>09/02/2025</a:t>
+              <a:t>10/02/2025</a:t>
             </a:fld>
             <a:endParaRPr lang="es-ES"/>
           </a:p>
@@ -1034,7 +1041,7 @@
           <a:p>
             <a:fld id="{F40CF56C-5593-4E7F-8F0A-BCAF3BC9834C}" type="datetimeFigureOut">
               <a:rPr lang="es-ES" smtClean="0"/>
-              <a:t>09/02/2025</a:t>
+              <a:t>10/02/2025</a:t>
             </a:fld>
             <a:endParaRPr lang="es-ES"/>
           </a:p>
@@ -1204,7 +1211,7 @@
           <a:p>
             <a:fld id="{F40CF56C-5593-4E7F-8F0A-BCAF3BC9834C}" type="datetimeFigureOut">
               <a:rPr lang="es-ES" smtClean="0"/>
-              <a:t>09/02/2025</a:t>
+              <a:t>10/02/2025</a:t>
             </a:fld>
             <a:endParaRPr lang="es-ES"/>
           </a:p>
@@ -1450,7 +1457,7 @@
           <a:p>
             <a:fld id="{F40CF56C-5593-4E7F-8F0A-BCAF3BC9834C}" type="datetimeFigureOut">
               <a:rPr lang="es-ES" smtClean="0"/>
-              <a:t>09/02/2025</a:t>
+              <a:t>10/02/2025</a:t>
             </a:fld>
             <a:endParaRPr lang="es-ES"/>
           </a:p>
@@ -1682,7 +1689,7 @@
           <a:p>
             <a:fld id="{F40CF56C-5593-4E7F-8F0A-BCAF3BC9834C}" type="datetimeFigureOut">
               <a:rPr lang="es-ES" smtClean="0"/>
-              <a:t>09/02/2025</a:t>
+              <a:t>10/02/2025</a:t>
             </a:fld>
             <a:endParaRPr lang="es-ES"/>
           </a:p>
@@ -2049,7 +2056,7 @@
           <a:p>
             <a:fld id="{F40CF56C-5593-4E7F-8F0A-BCAF3BC9834C}" type="datetimeFigureOut">
               <a:rPr lang="es-ES" smtClean="0"/>
-              <a:t>09/02/2025</a:t>
+              <a:t>10/02/2025</a:t>
             </a:fld>
             <a:endParaRPr lang="es-ES"/>
           </a:p>
@@ -2167,7 +2174,7 @@
           <a:p>
             <a:fld id="{F40CF56C-5593-4E7F-8F0A-BCAF3BC9834C}" type="datetimeFigureOut">
               <a:rPr lang="es-ES" smtClean="0"/>
-              <a:t>09/02/2025</a:t>
+              <a:t>10/02/2025</a:t>
             </a:fld>
             <a:endParaRPr lang="es-ES"/>
           </a:p>
@@ -2262,7 +2269,7 @@
           <a:p>
             <a:fld id="{F40CF56C-5593-4E7F-8F0A-BCAF3BC9834C}" type="datetimeFigureOut">
               <a:rPr lang="es-ES" smtClean="0"/>
-              <a:t>09/02/2025</a:t>
+              <a:t>10/02/2025</a:t>
             </a:fld>
             <a:endParaRPr lang="es-ES"/>
           </a:p>
@@ -2539,7 +2546,7 @@
           <a:p>
             <a:fld id="{F40CF56C-5593-4E7F-8F0A-BCAF3BC9834C}" type="datetimeFigureOut">
               <a:rPr lang="es-ES" smtClean="0"/>
-              <a:t>09/02/2025</a:t>
+              <a:t>10/02/2025</a:t>
             </a:fld>
             <a:endParaRPr lang="es-ES"/>
           </a:p>
@@ -2796,7 +2803,7 @@
           <a:p>
             <a:fld id="{F40CF56C-5593-4E7F-8F0A-BCAF3BC9834C}" type="datetimeFigureOut">
               <a:rPr lang="es-ES" smtClean="0"/>
-              <a:t>09/02/2025</a:t>
+              <a:t>10/02/2025</a:t>
             </a:fld>
             <a:endParaRPr lang="es-ES"/>
           </a:p>
@@ -3009,7 +3016,7 @@
           <a:p>
             <a:fld id="{F40CF56C-5593-4E7F-8F0A-BCAF3BC9834C}" type="datetimeFigureOut">
               <a:rPr lang="es-ES" smtClean="0"/>
-              <a:t>09/02/2025</a:t>
+              <a:t>10/02/2025</a:t>
             </a:fld>
             <a:endParaRPr lang="es-ES"/>
           </a:p>
@@ -4474,6 +4481,578 @@
     <p:extLst>
       <p:ext uri="{BB962C8B-B14F-4D97-AF65-F5344CB8AC3E}">
         <p14:creationId xmlns:p14="http://schemas.microsoft.com/office/powerpoint/2010/main" val="3144509295"/>
+      </p:ext>
+    </p:extLst>
+  </p:cSld>
+  <p:clrMapOvr>
+    <a:masterClrMapping/>
+  </p:clrMapOvr>
+</p:sld>
+</file>
+
+<file path=ppt/slides/slide12.xml><?xml version="1.0" encoding="utf-8"?>
+<p:sld xmlns:a="http://schemas.openxmlformats.org/drawingml/2006/main" xmlns:r="http://schemas.openxmlformats.org/officeDocument/2006/relationships" xmlns:p="http://schemas.openxmlformats.org/presentationml/2006/main">
+  <p:cSld>
+    <p:spTree>
+      <p:nvGrpSpPr>
+        <p:cNvPr id="1" name=""/>
+        <p:cNvGrpSpPr/>
+        <p:nvPr/>
+      </p:nvGrpSpPr>
+      <p:grpSpPr>
+        <a:xfrm>
+          <a:off x="0" y="0"/>
+          <a:ext cx="0" cy="0"/>
+          <a:chOff x="0" y="0"/>
+          <a:chExt cx="0" cy="0"/>
+        </a:xfrm>
+      </p:grpSpPr>
+      <p:pic>
+        <p:nvPicPr>
+          <p:cNvPr id="3" name="Imagen 2" descr="Forma&#10;&#10;El contenido generado por IA puede ser incorrecto.">
+            <a:extLst>
+              <a:ext uri="{FF2B5EF4-FFF2-40B4-BE49-F238E27FC236}">
+                <a16:creationId xmlns:a16="http://schemas.microsoft.com/office/drawing/2014/main" id="{2BE0F097-89A2-1CD5-8176-D8F2B02A27A3}"/>
+              </a:ext>
+            </a:extLst>
+          </p:cNvPr>
+          <p:cNvPicPr>
+            <a:picLocks noChangeAspect="1"/>
+          </p:cNvPicPr>
+          <p:nvPr/>
+        </p:nvPicPr>
+        <p:blipFill>
+          <a:blip r:embed="rId2">
+            <a:extLst>
+              <a:ext uri="{28A0092B-C50C-407E-A947-70E740481C1C}">
+                <a14:useLocalDpi xmlns:a14="http://schemas.microsoft.com/office/drawing/2010/main" val="0"/>
+              </a:ext>
+            </a:extLst>
+          </a:blip>
+          <a:stretch>
+            <a:fillRect/>
+          </a:stretch>
+        </p:blipFill>
+        <p:spPr>
+          <a:xfrm>
+            <a:off x="538397" y="0"/>
+            <a:ext cx="3254115" cy="3254115"/>
+          </a:xfrm>
+          <a:prstGeom prst="rect">
+            <a:avLst/>
+          </a:prstGeom>
+        </p:spPr>
+      </p:pic>
+      <p:pic>
+        <p:nvPicPr>
+          <p:cNvPr id="5" name="Imagen 4" descr="Icono&#10;&#10;El contenido generado por IA puede ser incorrecto.">
+            <a:extLst>
+              <a:ext uri="{FF2B5EF4-FFF2-40B4-BE49-F238E27FC236}">
+                <a16:creationId xmlns:a16="http://schemas.microsoft.com/office/drawing/2014/main" id="{6CDBE09D-1D77-9EF5-0E1F-53932E63B6A8}"/>
+              </a:ext>
+            </a:extLst>
+          </p:cNvPr>
+          <p:cNvPicPr>
+            <a:picLocks noChangeAspect="1"/>
+          </p:cNvPicPr>
+          <p:nvPr/>
+        </p:nvPicPr>
+        <p:blipFill>
+          <a:blip r:embed="rId3">
+            <a:extLst>
+              <a:ext uri="{28A0092B-C50C-407E-A947-70E740481C1C}">
+                <a14:useLocalDpi xmlns:a14="http://schemas.microsoft.com/office/drawing/2010/main" val="0"/>
+              </a:ext>
+            </a:extLst>
+          </a:blip>
+          <a:stretch>
+            <a:fillRect/>
+          </a:stretch>
+        </p:blipFill>
+        <p:spPr>
+          <a:xfrm>
+            <a:off x="7487285" y="258017"/>
+            <a:ext cx="3695377" cy="3316601"/>
+          </a:xfrm>
+          <a:prstGeom prst="rect">
+            <a:avLst/>
+          </a:prstGeom>
+        </p:spPr>
+      </p:pic>
+      <p:pic>
+        <p:nvPicPr>
+          <p:cNvPr id="7" name="Imagen 6" descr="Icono&#10;&#10;El contenido generado por IA puede ser incorrecto.">
+            <a:extLst>
+              <a:ext uri="{FF2B5EF4-FFF2-40B4-BE49-F238E27FC236}">
+                <a16:creationId xmlns:a16="http://schemas.microsoft.com/office/drawing/2014/main" id="{B55FC993-4C79-82D5-1672-2AA40526B172}"/>
+              </a:ext>
+            </a:extLst>
+          </p:cNvPr>
+          <p:cNvPicPr>
+            <a:picLocks noChangeAspect="1"/>
+          </p:cNvPicPr>
+          <p:nvPr/>
+        </p:nvPicPr>
+        <p:blipFill>
+          <a:blip r:embed="rId4">
+            <a:extLst>
+              <a:ext uri="{28A0092B-C50C-407E-A947-70E740481C1C}">
+                <a14:useLocalDpi xmlns:a14="http://schemas.microsoft.com/office/drawing/2010/main" val="0"/>
+              </a:ext>
+            </a:extLst>
+          </a:blip>
+          <a:stretch>
+            <a:fillRect/>
+          </a:stretch>
+        </p:blipFill>
+        <p:spPr>
+          <a:xfrm>
+            <a:off x="695491" y="2704475"/>
+            <a:ext cx="4153525" cy="4153525"/>
+          </a:xfrm>
+          <a:prstGeom prst="rect">
+            <a:avLst/>
+          </a:prstGeom>
+        </p:spPr>
+      </p:pic>
+      <p:pic>
+        <p:nvPicPr>
+          <p:cNvPr id="9" name="Imagen 8" descr="Icono&#10;&#10;El contenido generado por IA puede ser incorrecto.">
+            <a:extLst>
+              <a:ext uri="{FF2B5EF4-FFF2-40B4-BE49-F238E27FC236}">
+                <a16:creationId xmlns:a16="http://schemas.microsoft.com/office/drawing/2014/main" id="{FFDE3090-1094-5727-BFDB-A1CD42B805E2}"/>
+              </a:ext>
+            </a:extLst>
+          </p:cNvPr>
+          <p:cNvPicPr>
+            <a:picLocks noChangeAspect="1"/>
+          </p:cNvPicPr>
+          <p:nvPr/>
+        </p:nvPicPr>
+        <p:blipFill>
+          <a:blip r:embed="rId5">
+            <a:extLst>
+              <a:ext uri="{28A0092B-C50C-407E-A947-70E740481C1C}">
+                <a14:useLocalDpi xmlns:a14="http://schemas.microsoft.com/office/drawing/2010/main" val="0"/>
+              </a:ext>
+            </a:extLst>
+          </a:blip>
+          <a:stretch>
+            <a:fillRect/>
+          </a:stretch>
+        </p:blipFill>
+        <p:spPr>
+          <a:xfrm>
+            <a:off x="5580330" y="3520828"/>
+            <a:ext cx="3813910" cy="3337172"/>
+          </a:xfrm>
+          <a:prstGeom prst="rect">
+            <a:avLst/>
+          </a:prstGeom>
+        </p:spPr>
+      </p:pic>
+    </p:spTree>
+    <p:extLst>
+      <p:ext uri="{BB962C8B-B14F-4D97-AF65-F5344CB8AC3E}">
+        <p14:creationId xmlns:p14="http://schemas.microsoft.com/office/powerpoint/2010/main" val="3033062314"/>
+      </p:ext>
+    </p:extLst>
+  </p:cSld>
+  <p:clrMapOvr>
+    <a:masterClrMapping/>
+  </p:clrMapOvr>
+</p:sld>
+</file>
+
+<file path=ppt/slides/slide13.xml><?xml version="1.0" encoding="utf-8"?>
+<p:sld xmlns:a="http://schemas.openxmlformats.org/drawingml/2006/main" xmlns:r="http://schemas.openxmlformats.org/officeDocument/2006/relationships" xmlns:p="http://schemas.openxmlformats.org/presentationml/2006/main">
+  <p:cSld>
+    <p:spTree>
+      <p:nvGrpSpPr>
+        <p:cNvPr id="1" name=""/>
+        <p:cNvGrpSpPr/>
+        <p:nvPr/>
+      </p:nvGrpSpPr>
+      <p:grpSpPr>
+        <a:xfrm>
+          <a:off x="0" y="0"/>
+          <a:ext cx="0" cy="0"/>
+          <a:chOff x="0" y="0"/>
+          <a:chExt cx="0" cy="0"/>
+        </a:xfrm>
+      </p:grpSpPr>
+      <p:sp>
+        <p:nvSpPr>
+          <p:cNvPr id="2" name="Bocadillo: rectángulo 1">
+            <a:extLst>
+              <a:ext uri="{FF2B5EF4-FFF2-40B4-BE49-F238E27FC236}">
+                <a16:creationId xmlns:a16="http://schemas.microsoft.com/office/drawing/2014/main" id="{0C270D10-B5F6-74AE-260D-52C0E89C4678}"/>
+              </a:ext>
+            </a:extLst>
+          </p:cNvPr>
+          <p:cNvSpPr/>
+          <p:nvPr/>
+        </p:nvSpPr>
+        <p:spPr>
+          <a:xfrm>
+            <a:off x="2684207" y="626806"/>
+            <a:ext cx="4409767" cy="2802194"/>
+          </a:xfrm>
+          <a:custGeom>
+            <a:avLst/>
+            <a:gdLst>
+              <a:gd name="connsiteX0" fmla="*/ 0 w 4409767"/>
+              <a:gd name="connsiteY0" fmla="*/ 0 h 2802194"/>
+              <a:gd name="connsiteX1" fmla="*/ 734961 w 4409767"/>
+              <a:gd name="connsiteY1" fmla="*/ 0 h 2802194"/>
+              <a:gd name="connsiteX2" fmla="*/ 734961 w 4409767"/>
+              <a:gd name="connsiteY2" fmla="*/ 0 h 2802194"/>
+              <a:gd name="connsiteX3" fmla="*/ 1837403 w 4409767"/>
+              <a:gd name="connsiteY3" fmla="*/ 0 h 2802194"/>
+              <a:gd name="connsiteX4" fmla="*/ 4409767 w 4409767"/>
+              <a:gd name="connsiteY4" fmla="*/ 0 h 2802194"/>
+              <a:gd name="connsiteX5" fmla="*/ 4409767 w 4409767"/>
+              <a:gd name="connsiteY5" fmla="*/ 1634613 h 2802194"/>
+              <a:gd name="connsiteX6" fmla="*/ 4409767 w 4409767"/>
+              <a:gd name="connsiteY6" fmla="*/ 1634613 h 2802194"/>
+              <a:gd name="connsiteX7" fmla="*/ 4409767 w 4409767"/>
+              <a:gd name="connsiteY7" fmla="*/ 2335162 h 2802194"/>
+              <a:gd name="connsiteX8" fmla="*/ 4409767 w 4409767"/>
+              <a:gd name="connsiteY8" fmla="*/ 2802194 h 2802194"/>
+              <a:gd name="connsiteX9" fmla="*/ 1837403 w 4409767"/>
+              <a:gd name="connsiteY9" fmla="*/ 2802194 h 2802194"/>
+              <a:gd name="connsiteX10" fmla="*/ 534023 w 4409767"/>
+              <a:gd name="connsiteY10" fmla="*/ 3580139 h 2802194"/>
+              <a:gd name="connsiteX11" fmla="*/ 734961 w 4409767"/>
+              <a:gd name="connsiteY11" fmla="*/ 2802194 h 2802194"/>
+              <a:gd name="connsiteX12" fmla="*/ 0 w 4409767"/>
+              <a:gd name="connsiteY12" fmla="*/ 2802194 h 2802194"/>
+              <a:gd name="connsiteX13" fmla="*/ 0 w 4409767"/>
+              <a:gd name="connsiteY13" fmla="*/ 2335162 h 2802194"/>
+              <a:gd name="connsiteX14" fmla="*/ 0 w 4409767"/>
+              <a:gd name="connsiteY14" fmla="*/ 1634613 h 2802194"/>
+              <a:gd name="connsiteX15" fmla="*/ 0 w 4409767"/>
+              <a:gd name="connsiteY15" fmla="*/ 1634613 h 2802194"/>
+              <a:gd name="connsiteX16" fmla="*/ 0 w 4409767"/>
+              <a:gd name="connsiteY16" fmla="*/ 0 h 2802194"/>
+            </a:gdLst>
+            <a:ahLst/>
+            <a:cxnLst>
+              <a:cxn ang="0">
+                <a:pos x="connsiteX0" y="connsiteY0"/>
+              </a:cxn>
+              <a:cxn ang="0">
+                <a:pos x="connsiteX1" y="connsiteY1"/>
+              </a:cxn>
+              <a:cxn ang="0">
+                <a:pos x="connsiteX2" y="connsiteY2"/>
+              </a:cxn>
+              <a:cxn ang="0">
+                <a:pos x="connsiteX3" y="connsiteY3"/>
+              </a:cxn>
+              <a:cxn ang="0">
+                <a:pos x="connsiteX4" y="connsiteY4"/>
+              </a:cxn>
+              <a:cxn ang="0">
+                <a:pos x="connsiteX5" y="connsiteY5"/>
+              </a:cxn>
+              <a:cxn ang="0">
+                <a:pos x="connsiteX6" y="connsiteY6"/>
+              </a:cxn>
+              <a:cxn ang="0">
+                <a:pos x="connsiteX7" y="connsiteY7"/>
+              </a:cxn>
+              <a:cxn ang="0">
+                <a:pos x="connsiteX8" y="connsiteY8"/>
+              </a:cxn>
+              <a:cxn ang="0">
+                <a:pos x="connsiteX9" y="connsiteY9"/>
+              </a:cxn>
+              <a:cxn ang="0">
+                <a:pos x="connsiteX10" y="connsiteY10"/>
+              </a:cxn>
+              <a:cxn ang="0">
+                <a:pos x="connsiteX11" y="connsiteY11"/>
+              </a:cxn>
+              <a:cxn ang="0">
+                <a:pos x="connsiteX12" y="connsiteY12"/>
+              </a:cxn>
+              <a:cxn ang="0">
+                <a:pos x="connsiteX13" y="connsiteY13"/>
+              </a:cxn>
+              <a:cxn ang="0">
+                <a:pos x="connsiteX14" y="connsiteY14"/>
+              </a:cxn>
+              <a:cxn ang="0">
+                <a:pos x="connsiteX15" y="connsiteY15"/>
+              </a:cxn>
+              <a:cxn ang="0">
+                <a:pos x="connsiteX16" y="connsiteY16"/>
+              </a:cxn>
+            </a:cxnLst>
+            <a:rect l="l" t="t" r="r" b="b"/>
+            <a:pathLst>
+              <a:path w="4409767" h="2802194" fill="none" extrusionOk="0">
+                <a:moveTo>
+                  <a:pt x="0" y="0"/>
+                </a:moveTo>
+                <a:cubicBezTo>
+                  <a:pt x="296236" y="9796"/>
+                  <a:pt x="587072" y="53201"/>
+                  <a:pt x="734961" y="0"/>
+                </a:cubicBezTo>
+                <a:lnTo>
+                  <a:pt x="734961" y="0"/>
+                </a:lnTo>
+                <a:cubicBezTo>
+                  <a:pt x="990400" y="61653"/>
+                  <a:pt x="1445979" y="80222"/>
+                  <a:pt x="1837403" y="0"/>
+                </a:cubicBezTo>
+                <a:cubicBezTo>
+                  <a:pt x="2604802" y="-94792"/>
+                  <a:pt x="3897038" y="-113808"/>
+                  <a:pt x="4409767" y="0"/>
+                </a:cubicBezTo>
+                <a:cubicBezTo>
+                  <a:pt x="4525942" y="228628"/>
+                  <a:pt x="4475466" y="904209"/>
+                  <a:pt x="4409767" y="1634613"/>
+                </a:cubicBezTo>
+                <a:lnTo>
+                  <a:pt x="4409767" y="1634613"/>
+                </a:lnTo>
+                <a:cubicBezTo>
+                  <a:pt x="4415567" y="1784117"/>
+                  <a:pt x="4458567" y="2053206"/>
+                  <a:pt x="4409767" y="2335162"/>
+                </a:cubicBezTo>
+                <a:cubicBezTo>
+                  <a:pt x="4388100" y="2390371"/>
+                  <a:pt x="4403744" y="2646988"/>
+                  <a:pt x="4409767" y="2802194"/>
+                </a:cubicBezTo>
+                <a:cubicBezTo>
+                  <a:pt x="3938969" y="2726776"/>
+                  <a:pt x="2348797" y="2722385"/>
+                  <a:pt x="1837403" y="2802194"/>
+                </a:cubicBezTo>
+                <a:cubicBezTo>
+                  <a:pt x="1310093" y="2979438"/>
+                  <a:pt x="1059386" y="3240770"/>
+                  <a:pt x="534023" y="3580139"/>
+                </a:cubicBezTo>
+                <a:cubicBezTo>
+                  <a:pt x="616885" y="3507977"/>
+                  <a:pt x="752483" y="2941920"/>
+                  <a:pt x="734961" y="2802194"/>
+                </a:cubicBezTo>
+                <a:cubicBezTo>
+                  <a:pt x="505919" y="2824335"/>
+                  <a:pt x="118972" y="2783977"/>
+                  <a:pt x="0" y="2802194"/>
+                </a:cubicBezTo>
+                <a:cubicBezTo>
+                  <a:pt x="-14054" y="2690531"/>
+                  <a:pt x="16772" y="2498031"/>
+                  <a:pt x="0" y="2335162"/>
+                </a:cubicBezTo>
+                <a:cubicBezTo>
+                  <a:pt x="-32130" y="2124585"/>
+                  <a:pt x="15449" y="1983050"/>
+                  <a:pt x="0" y="1634613"/>
+                </a:cubicBezTo>
+                <a:lnTo>
+                  <a:pt x="0" y="1634613"/>
+                </a:lnTo>
+                <a:cubicBezTo>
+                  <a:pt x="-102266" y="1073120"/>
+                  <a:pt x="100238" y="340203"/>
+                  <a:pt x="0" y="0"/>
+                </a:cubicBezTo>
+                <a:close/>
+              </a:path>
+              <a:path w="4409767" h="2802194" stroke="0" extrusionOk="0">
+                <a:moveTo>
+                  <a:pt x="0" y="0"/>
+                </a:moveTo>
+                <a:cubicBezTo>
+                  <a:pt x="232428" y="46626"/>
+                  <a:pt x="602408" y="-2866"/>
+                  <a:pt x="734961" y="0"/>
+                </a:cubicBezTo>
+                <a:lnTo>
+                  <a:pt x="734961" y="0"/>
+                </a:lnTo>
+                <a:cubicBezTo>
+                  <a:pt x="963414" y="-76316"/>
+                  <a:pt x="1593937" y="59588"/>
+                  <a:pt x="1837403" y="0"/>
+                </a:cubicBezTo>
+                <a:cubicBezTo>
+                  <a:pt x="2949519" y="17475"/>
+                  <a:pt x="3452440" y="111220"/>
+                  <a:pt x="4409767" y="0"/>
+                </a:cubicBezTo>
+                <a:cubicBezTo>
+                  <a:pt x="4320954" y="383536"/>
+                  <a:pt x="4542618" y="1345567"/>
+                  <a:pt x="4409767" y="1634613"/>
+                </a:cubicBezTo>
+                <a:lnTo>
+                  <a:pt x="4409767" y="1634613"/>
+                </a:lnTo>
+                <a:cubicBezTo>
+                  <a:pt x="4420457" y="1786342"/>
+                  <a:pt x="4430269" y="2018102"/>
+                  <a:pt x="4409767" y="2335162"/>
+                </a:cubicBezTo>
+                <a:cubicBezTo>
+                  <a:pt x="4370915" y="2445373"/>
+                  <a:pt x="4436875" y="2689637"/>
+                  <a:pt x="4409767" y="2802194"/>
+                </a:cubicBezTo>
+                <a:cubicBezTo>
+                  <a:pt x="4105905" y="2881604"/>
+                  <a:pt x="2611605" y="2889534"/>
+                  <a:pt x="1837403" y="2802194"/>
+                </a:cubicBezTo>
+                <a:cubicBezTo>
+                  <a:pt x="1332197" y="3108684"/>
+                  <a:pt x="829279" y="3450146"/>
+                  <a:pt x="534023" y="3580139"/>
+                </a:cubicBezTo>
+                <a:cubicBezTo>
+                  <a:pt x="612673" y="3406644"/>
+                  <a:pt x="689264" y="3100398"/>
+                  <a:pt x="734961" y="2802194"/>
+                </a:cubicBezTo>
+                <a:cubicBezTo>
+                  <a:pt x="445682" y="2768622"/>
+                  <a:pt x="364937" y="2823297"/>
+                  <a:pt x="0" y="2802194"/>
+                </a:cubicBezTo>
+                <a:cubicBezTo>
+                  <a:pt x="8301" y="2699153"/>
+                  <a:pt x="23133" y="2466457"/>
+                  <a:pt x="0" y="2335162"/>
+                </a:cubicBezTo>
+                <a:cubicBezTo>
+                  <a:pt x="48390" y="2176653"/>
+                  <a:pt x="-5742" y="1962803"/>
+                  <a:pt x="0" y="1634613"/>
+                </a:cubicBezTo>
+                <a:lnTo>
+                  <a:pt x="0" y="1634613"/>
+                </a:lnTo>
+                <a:cubicBezTo>
+                  <a:pt x="-143973" y="1074258"/>
+                  <a:pt x="-139386" y="740270"/>
+                  <a:pt x="0" y="0"/>
+                </a:cubicBezTo>
+                <a:close/>
+              </a:path>
+            </a:pathLst>
+          </a:custGeom>
+          <a:ln w="38100">
+            <a:extLst>
+              <a:ext uri="{C807C97D-BFC1-408E-A445-0C87EB9F89A2}">
+                <ask:lineSketchStyleProps xmlns:ask="http://schemas.microsoft.com/office/drawing/2018/sketchyshapes" sd="3012317677">
+                  <a:prstGeom prst="wedgeRectCallout">
+                    <a:avLst>
+                      <a:gd name="adj1" fmla="val -37890"/>
+                      <a:gd name="adj2" fmla="val 77762"/>
+                    </a:avLst>
+                  </a:prstGeom>
+                  <ask:type>
+                    <ask:lineSketchCurved/>
+                  </ask:type>
+                </ask:lineSketchStyleProps>
+              </a:ext>
+            </a:extLst>
+          </a:ln>
+        </p:spPr>
+        <p:style>
+          <a:lnRef idx="2">
+            <a:schemeClr val="dk1"/>
+          </a:lnRef>
+          <a:fillRef idx="1">
+            <a:schemeClr val="lt1"/>
+          </a:fillRef>
+          <a:effectRef idx="0">
+            <a:schemeClr val="dk1"/>
+          </a:effectRef>
+          <a:fontRef idx="minor">
+            <a:schemeClr val="dk1"/>
+          </a:fontRef>
+        </p:style>
+        <p:txBody>
+          <a:bodyPr rtlCol="0" anchor="ctr"/>
+          <a:lstStyle/>
+          <a:p>
+            <a:pPr algn="ctr"/>
+            <a:endParaRPr lang="es-ES" dirty="0"/>
+          </a:p>
+        </p:txBody>
+      </p:sp>
+      <p:sp>
+        <p:nvSpPr>
+          <p:cNvPr id="3" name="Bocadillo nube: nube 2">
+            <a:extLst>
+              <a:ext uri="{FF2B5EF4-FFF2-40B4-BE49-F238E27FC236}">
+                <a16:creationId xmlns:a16="http://schemas.microsoft.com/office/drawing/2014/main" id="{7E8A4E84-C0F4-44D6-0B1B-BD2F273D6342}"/>
+              </a:ext>
+            </a:extLst>
+          </p:cNvPr>
+          <p:cNvSpPr/>
+          <p:nvPr/>
+        </p:nvSpPr>
+        <p:spPr>
+          <a:xfrm>
+            <a:off x="6096000" y="2912806"/>
+            <a:ext cx="5383161" cy="2802194"/>
+          </a:xfrm>
+          <a:prstGeom prst="cloudCallout">
+            <a:avLst>
+              <a:gd name="adj1" fmla="val -34805"/>
+              <a:gd name="adj2" fmla="val 63649"/>
+            </a:avLst>
+          </a:prstGeom>
+        </p:spPr>
+        <p:style>
+          <a:lnRef idx="2">
+            <a:schemeClr val="dk1"/>
+          </a:lnRef>
+          <a:fillRef idx="1">
+            <a:schemeClr val="lt1"/>
+          </a:fillRef>
+          <a:effectRef idx="0">
+            <a:schemeClr val="dk1"/>
+          </a:effectRef>
+          <a:fontRef idx="minor">
+            <a:schemeClr val="dk1"/>
+          </a:fontRef>
+        </p:style>
+        <p:txBody>
+          <a:bodyPr rtlCol="0" anchor="ctr"/>
+          <a:lstStyle/>
+          <a:p>
+            <a:pPr algn="ctr"/>
+            <a:r>
+              <a:rPr lang="es-ES" dirty="0"/>
+              <a:t>Lorean				</a:t>
+            </a:r>
+            <a:r>
+              <a:rPr lang="es-ES"/>
+              <a:t>	sdkansflkfnsdlasknflskadnflkdsfnmdskfmsdlflskflksdnlfkdsnlksdfnlsdknflskndlnsdlfndslknfldsnldsknfldndslfndsflkndfsldnsfldsndlsfnfdslnfdslndfslndfsldfsndlsfndlndflknsdlfndslksdnflkdsnldsfknlfdsnlfdsl</a:t>
+            </a:r>
+          </a:p>
+        </p:txBody>
+      </p:sp>
+    </p:spTree>
+    <p:extLst>
+      <p:ext uri="{BB962C8B-B14F-4D97-AF65-F5344CB8AC3E}">
+        <p14:creationId xmlns:p14="http://schemas.microsoft.com/office/powerpoint/2010/main" val="396832347"/>
       </p:ext>
     </p:extLst>
   </p:cSld>
